--- a/рубеж 4/АЦП с блоками.pptx
+++ b/рубеж 4/АЦП с блоками.pptx
@@ -17,6 +17,7 @@
     <p:sldId id="266" r:id="rId11"/>
     <p:sldId id="268" r:id="rId12"/>
     <p:sldId id="267" r:id="rId13"/>
+    <p:sldId id="269" r:id="rId14"/>
   </p:sldIdLst>
   <p:sldSz cx="12192000" cy="6858000"/>
   <p:notesSz cx="6858000" cy="9144000"/>
@@ -115,6 +116,11 @@
       </a:defRPr>
     </a:lvl9pPr>
   </p:defaultTextStyle>
+  <p:extLst>
+    <p:ext uri="{EFAFB233-063F-42B5-8137-9DF3F51BA10A}">
+      <p15:sldGuideLst xmlns:p15="http://schemas.microsoft.com/office/powerpoint/2012/main"/>
+    </p:ext>
+  </p:extLst>
 </p:presentation>
 </file>
 
@@ -3669,11 +3675,7 @@
             <a:pPr algn="ctr"/>
             <a:r>
               <a:rPr lang="ru-RU" dirty="0" smtClean="0"/>
-              <a:t>Задаем</a:t>
-            </a:r>
-            <a:r>
-              <a:rPr lang="ru-RU" dirty="0" smtClean="0"/>
-              <a:t> входной сигнал 1 В.</a:t>
+              <a:t>Задаем входной сигнал 1 В.</a:t>
             </a:r>
             <a:endParaRPr lang="ru-RU" dirty="0"/>
           </a:p>
@@ -3845,6 +3847,272 @@
     <p:extLst>
       <p:ext uri="{BB962C8B-B14F-4D97-AF65-F5344CB8AC3E}">
         <p14:creationId xmlns:p14="http://schemas.microsoft.com/office/powerpoint/2010/main" val="1384722076"/>
+      </p:ext>
+    </p:extLst>
+  </p:cSld>
+  <p:clrMapOvr>
+    <a:masterClrMapping/>
+  </p:clrMapOvr>
+</p:sld>
+</file>
+
+<file path=ppt/slides/slide13.xml><?xml version="1.0" encoding="utf-8"?>
+<p:sld xmlns:a="http://schemas.openxmlformats.org/drawingml/2006/main" xmlns:r="http://schemas.openxmlformats.org/officeDocument/2006/relationships" xmlns:p="http://schemas.openxmlformats.org/presentationml/2006/main">
+  <p:cSld>
+    <p:spTree>
+      <p:nvGrpSpPr>
+        <p:cNvPr id="1" name=""/>
+        <p:cNvGrpSpPr/>
+        <p:nvPr/>
+      </p:nvGrpSpPr>
+      <p:grpSpPr>
+        <a:xfrm>
+          <a:off x="0" y="0"/>
+          <a:ext cx="0" cy="0"/>
+          <a:chOff x="0" y="0"/>
+          <a:chExt cx="0" cy="0"/>
+        </a:xfrm>
+      </p:grpSpPr>
+      <p:pic>
+        <p:nvPicPr>
+          <p:cNvPr id="4" name="Рисунок 3"/>
+          <p:cNvPicPr>
+            <a:picLocks noChangeAspect="1"/>
+          </p:cNvPicPr>
+          <p:nvPr/>
+        </p:nvPicPr>
+        <p:blipFill>
+          <a:blip r:embed="rId2"/>
+          <a:stretch>
+            <a:fillRect/>
+          </a:stretch>
+        </p:blipFill>
+        <p:spPr>
+          <a:xfrm>
+            <a:off x="1436208" y="728842"/>
+            <a:ext cx="7690558" cy="4636789"/>
+          </a:xfrm>
+          <a:prstGeom prst="rect">
+            <a:avLst/>
+          </a:prstGeom>
+        </p:spPr>
+      </p:pic>
+      <p:sp>
+        <p:nvSpPr>
+          <p:cNvPr id="5" name="Прямоугольник 4"/>
+          <p:cNvSpPr/>
+          <p:nvPr/>
+        </p:nvSpPr>
+        <p:spPr>
+          <a:xfrm>
+            <a:off x="6405114" y="2984740"/>
+            <a:ext cx="1475117" cy="914400"/>
+          </a:xfrm>
+          <a:prstGeom prst="rect">
+            <a:avLst/>
+          </a:prstGeom>
+        </p:spPr>
+        <p:style>
+          <a:lnRef idx="2">
+            <a:schemeClr val="accent1">
+              <a:shade val="50000"/>
+            </a:schemeClr>
+          </a:lnRef>
+          <a:fillRef idx="1">
+            <a:schemeClr val="accent1"/>
+          </a:fillRef>
+          <a:effectRef idx="0">
+            <a:schemeClr val="accent1"/>
+          </a:effectRef>
+          <a:fontRef idx="minor">
+            <a:schemeClr val="lt1"/>
+          </a:fontRef>
+        </p:style>
+        <p:txBody>
+          <a:bodyPr rtlCol="0" anchor="ctr"/>
+          <a:lstStyle/>
+          <a:p>
+            <a:pPr algn="ctr"/>
+            <a:r>
+              <a:rPr lang="ru-RU" dirty="0" smtClean="0"/>
+              <a:t>Входной сигнал</a:t>
+            </a:r>
+            <a:endParaRPr lang="ru-RU" dirty="0"/>
+          </a:p>
+        </p:txBody>
+      </p:sp>
+      <p:sp>
+        <p:nvSpPr>
+          <p:cNvPr id="6" name="Прямоугольник 5"/>
+          <p:cNvSpPr/>
+          <p:nvPr/>
+        </p:nvSpPr>
+        <p:spPr>
+          <a:xfrm>
+            <a:off x="4770408" y="3717985"/>
+            <a:ext cx="1440612" cy="621102"/>
+          </a:xfrm>
+          <a:prstGeom prst="rect">
+            <a:avLst/>
+          </a:prstGeom>
+        </p:spPr>
+        <p:style>
+          <a:lnRef idx="2">
+            <a:schemeClr val="accent1">
+              <a:shade val="50000"/>
+            </a:schemeClr>
+          </a:lnRef>
+          <a:fillRef idx="1">
+            <a:schemeClr val="accent1"/>
+          </a:fillRef>
+          <a:effectRef idx="0">
+            <a:schemeClr val="accent1"/>
+          </a:effectRef>
+          <a:fontRef idx="minor">
+            <a:schemeClr val="lt1"/>
+          </a:fontRef>
+        </p:style>
+        <p:txBody>
+          <a:bodyPr rtlCol="0" anchor="ctr"/>
+          <a:lstStyle/>
+          <a:p>
+            <a:pPr algn="ctr"/>
+            <a:r>
+              <a:rPr lang="ru-RU" dirty="0" smtClean="0"/>
+              <a:t>Выходной сигнал</a:t>
+            </a:r>
+            <a:endParaRPr lang="ru-RU" dirty="0"/>
+          </a:p>
+        </p:txBody>
+      </p:sp>
+      <p:cxnSp>
+        <p:nvCxnSpPr>
+          <p:cNvPr id="8" name="Прямая со стрелкой 7"/>
+          <p:cNvCxnSpPr/>
+          <p:nvPr/>
+        </p:nvCxnSpPr>
+        <p:spPr>
+          <a:xfrm flipH="1" flipV="1">
+            <a:off x="5382883" y="2096219"/>
+            <a:ext cx="1022231" cy="1026543"/>
+          </a:xfrm>
+          <a:prstGeom prst="straightConnector1">
+            <a:avLst/>
+          </a:prstGeom>
+          <a:ln w="38100">
+            <a:solidFill>
+              <a:srgbClr val="FF0000"/>
+            </a:solidFill>
+            <a:tailEnd type="triangle"/>
+          </a:ln>
+        </p:spPr>
+        <p:style>
+          <a:lnRef idx="1">
+            <a:schemeClr val="accent1"/>
+          </a:lnRef>
+          <a:fillRef idx="0">
+            <a:schemeClr val="accent1"/>
+          </a:fillRef>
+          <a:effectRef idx="0">
+            <a:schemeClr val="accent1"/>
+          </a:effectRef>
+          <a:fontRef idx="minor">
+            <a:schemeClr val="tx1"/>
+          </a:fontRef>
+        </p:style>
+      </p:cxnSp>
+      <p:cxnSp>
+        <p:nvCxnSpPr>
+          <p:cNvPr id="10" name="Прямая со стрелкой 9"/>
+          <p:cNvCxnSpPr/>
+          <p:nvPr/>
+        </p:nvCxnSpPr>
+        <p:spPr>
+          <a:xfrm flipH="1" flipV="1">
+            <a:off x="3838755" y="2691441"/>
+            <a:ext cx="1061049" cy="1026544"/>
+          </a:xfrm>
+          <a:prstGeom prst="straightConnector1">
+            <a:avLst/>
+          </a:prstGeom>
+          <a:ln w="38100">
+            <a:solidFill>
+              <a:srgbClr val="FF0000"/>
+            </a:solidFill>
+            <a:tailEnd type="triangle"/>
+          </a:ln>
+        </p:spPr>
+        <p:style>
+          <a:lnRef idx="1">
+            <a:schemeClr val="accent1"/>
+          </a:lnRef>
+          <a:fillRef idx="0">
+            <a:schemeClr val="accent1"/>
+          </a:fillRef>
+          <a:effectRef idx="0">
+            <a:schemeClr val="accent1"/>
+          </a:effectRef>
+          <a:fontRef idx="minor">
+            <a:schemeClr val="tx1"/>
+          </a:fontRef>
+        </p:style>
+      </p:cxnSp>
+      <p:sp>
+        <p:nvSpPr>
+          <p:cNvPr id="12" name="Прямоугольник 11"/>
+          <p:cNvSpPr/>
+          <p:nvPr/>
+        </p:nvSpPr>
+        <p:spPr>
+          <a:xfrm>
+            <a:off x="6970143" y="1206895"/>
+            <a:ext cx="2527540" cy="1005417"/>
+          </a:xfrm>
+          <a:prstGeom prst="rect">
+            <a:avLst/>
+          </a:prstGeom>
+        </p:spPr>
+        <p:style>
+          <a:lnRef idx="2">
+            <a:schemeClr val="accent6">
+              <a:shade val="50000"/>
+            </a:schemeClr>
+          </a:lnRef>
+          <a:fillRef idx="1">
+            <a:schemeClr val="accent6"/>
+          </a:fillRef>
+          <a:effectRef idx="0">
+            <a:schemeClr val="accent6"/>
+          </a:effectRef>
+          <a:fontRef idx="minor">
+            <a:schemeClr val="lt1"/>
+          </a:fontRef>
+        </p:style>
+        <p:txBody>
+          <a:bodyPr rtlCol="0" anchor="ctr"/>
+          <a:lstStyle/>
+          <a:p>
+            <a:pPr algn="ctr"/>
+            <a:r>
+              <a:rPr lang="ru-RU" dirty="0" smtClean="0"/>
+              <a:t>Построим </a:t>
+            </a:r>
+            <a:r>
+              <a:rPr lang="ru-RU" dirty="0" err="1" smtClean="0"/>
+              <a:t>градуировочную</a:t>
+            </a:r>
+            <a:r>
+              <a:rPr lang="ru-RU" dirty="0" smtClean="0"/>
+              <a:t> кривую</a:t>
+            </a:r>
+            <a:endParaRPr lang="ru-RU" dirty="0"/>
+          </a:p>
+        </p:txBody>
+      </p:sp>
+    </p:spTree>
+    <p:extLst>
+      <p:ext uri="{BB962C8B-B14F-4D97-AF65-F5344CB8AC3E}">
+        <p14:creationId xmlns:p14="http://schemas.microsoft.com/office/powerpoint/2010/main" val="346939798"/>
       </p:ext>
     </p:extLst>
   </p:cSld>
@@ -3933,11 +4201,7 @@
             <a:pPr algn="ctr"/>
             <a:r>
               <a:rPr lang="ru-RU" dirty="0" smtClean="0"/>
-              <a:t>Построим модель </a:t>
-            </a:r>
-            <a:r>
-              <a:rPr lang="ru-RU" dirty="0" smtClean="0"/>
-              <a:t>АЦП</a:t>
+              <a:t>Построим модель АЦП</a:t>
             </a:r>
             <a:endParaRPr lang="ru-RU" dirty="0"/>
           </a:p>
@@ -3981,11 +4245,7 @@
             <a:pPr algn="ctr"/>
             <a:r>
               <a:rPr lang="ru-RU" dirty="0" smtClean="0"/>
-              <a:t>Индикаторы </a:t>
-            </a:r>
-            <a:r>
-              <a:rPr lang="ru-RU" dirty="0" smtClean="0"/>
-              <a:t>берем из вкладки </a:t>
+              <a:t>Индикаторы берем из вкладки </a:t>
             </a:r>
             <a:r>
               <a:rPr lang="en-US" dirty="0" smtClean="0"/>
@@ -4233,27 +4493,11 @@
             </a:r>
             <a:r>
               <a:rPr lang="ru-RU" dirty="0" smtClean="0"/>
-              <a:t> </a:t>
-            </a:r>
-            <a:r>
-              <a:rPr lang="ru-RU" dirty="0" smtClean="0"/>
-              <a:t>берем из вкладки </a:t>
+              <a:t> берем из вкладки </a:t>
             </a:r>
             <a:r>
               <a:rPr lang="en-US" dirty="0" smtClean="0"/>
-              <a:t>Flip-flops</a:t>
-            </a:r>
-            <a:r>
-              <a:rPr lang="en-US" dirty="0" smtClean="0"/>
-              <a:t> </a:t>
-            </a:r>
-            <a:r>
-              <a:rPr lang="en-US" dirty="0" smtClean="0"/>
-              <a:t>– </a:t>
-            </a:r>
-            <a:r>
-              <a:rPr lang="en-US" dirty="0" smtClean="0"/>
-              <a:t>JK </a:t>
+              <a:t>Flip-flops – JK </a:t>
             </a:r>
             <a:r>
               <a:rPr lang="en-US" dirty="0" err="1" smtClean="0"/>
@@ -4909,11 +5153,7 @@
             <a:pPr algn="ctr"/>
             <a:r>
               <a:rPr lang="ru-RU" dirty="0" smtClean="0"/>
-              <a:t>Получили модель </a:t>
-            </a:r>
-            <a:r>
-              <a:rPr lang="ru-RU" dirty="0" smtClean="0"/>
-              <a:t>АЦП</a:t>
+              <a:t>Получили модель АЦП</a:t>
             </a:r>
             <a:endParaRPr lang="ru-RU" dirty="0"/>
           </a:p>
